--- a/07.Deep Learning/PPTs/04. 신경망 구조.pptx
+++ b/07.Deep Learning/PPTs/04. 신경망 구조.pptx
@@ -5,7 +5,7 @@
     <p:sldMasterId id="2147483648" r:id="rId1"/>
   </p:sldMasterIdLst>
   <p:notesMasterIdLst>
-    <p:notesMasterId r:id="rId23"/>
+    <p:notesMasterId r:id="rId25"/>
   </p:notesMasterIdLst>
   <p:sldIdLst>
     <p:sldId id="256" r:id="rId2"/>
@@ -18,17 +18,19 @@
     <p:sldId id="274" r:id="rId9"/>
     <p:sldId id="275" r:id="rId10"/>
     <p:sldId id="276" r:id="rId11"/>
-    <p:sldId id="277" r:id="rId12"/>
-    <p:sldId id="278" r:id="rId13"/>
-    <p:sldId id="279" r:id="rId14"/>
-    <p:sldId id="280" r:id="rId15"/>
-    <p:sldId id="281" r:id="rId16"/>
-    <p:sldId id="282" r:id="rId17"/>
-    <p:sldId id="283" r:id="rId18"/>
-    <p:sldId id="284" r:id="rId19"/>
-    <p:sldId id="285" r:id="rId20"/>
-    <p:sldId id="286" r:id="rId21"/>
-    <p:sldId id="287" r:id="rId22"/>
+    <p:sldId id="289" r:id="rId12"/>
+    <p:sldId id="290" r:id="rId13"/>
+    <p:sldId id="277" r:id="rId14"/>
+    <p:sldId id="278" r:id="rId15"/>
+    <p:sldId id="279" r:id="rId16"/>
+    <p:sldId id="280" r:id="rId17"/>
+    <p:sldId id="281" r:id="rId18"/>
+    <p:sldId id="282" r:id="rId19"/>
+    <p:sldId id="283" r:id="rId20"/>
+    <p:sldId id="284" r:id="rId21"/>
+    <p:sldId id="285" r:id="rId22"/>
+    <p:sldId id="286" r:id="rId23"/>
+    <p:sldId id="287" r:id="rId24"/>
   </p:sldIdLst>
   <p:sldSz cx="12192000" cy="6858000"/>
   <p:notesSz cx="6858000" cy="9144000"/>
@@ -229,7 +231,7 @@
           <a:p>
             <a:fld id="{54564607-4F56-BE4C-84DF-633657BB441B}" type="datetimeFigureOut">
               <a:rPr kumimoji="1" lang="ko-Kore-KR" altLang="en-US" smtClean="0"/>
-              <a:t>2021. 5. 27.</a:t>
+              <a:t>2021. 10. 20.</a:t>
             </a:fld>
             <a:endParaRPr kumimoji="1" lang="ko-Kore-KR" altLang="en-US"/>
           </a:p>
@@ -762,7 +764,7 @@
           <a:p>
             <a:fld id="{EDF3C78C-9ED5-6F4E-A22C-D64E7DC4A17B}" type="datetimeFigureOut">
               <a:rPr kumimoji="1" lang="ko-Kore-KR" altLang="en-US" smtClean="0"/>
-              <a:t>2021. 5. 27.</a:t>
+              <a:t>2021. 10. 20.</a:t>
             </a:fld>
             <a:endParaRPr kumimoji="1" lang="ko-Kore-KR" altLang="en-US"/>
           </a:p>
@@ -962,7 +964,7 @@
           <a:p>
             <a:fld id="{EDF3C78C-9ED5-6F4E-A22C-D64E7DC4A17B}" type="datetimeFigureOut">
               <a:rPr kumimoji="1" lang="ko-Kore-KR" altLang="en-US" smtClean="0"/>
-              <a:t>2021. 5. 27.</a:t>
+              <a:t>2021. 10. 20.</a:t>
             </a:fld>
             <a:endParaRPr kumimoji="1" lang="ko-Kore-KR" altLang="en-US"/>
           </a:p>
@@ -1172,7 +1174,7 @@
           <a:p>
             <a:fld id="{EDF3C78C-9ED5-6F4E-A22C-D64E7DC4A17B}" type="datetimeFigureOut">
               <a:rPr kumimoji="1" lang="ko-Kore-KR" altLang="en-US" smtClean="0"/>
-              <a:t>2021. 5. 27.</a:t>
+              <a:t>2021. 10. 20.</a:t>
             </a:fld>
             <a:endParaRPr kumimoji="1" lang="ko-Kore-KR" altLang="en-US"/>
           </a:p>
@@ -1372,7 +1374,7 @@
           <a:p>
             <a:fld id="{EDF3C78C-9ED5-6F4E-A22C-D64E7DC4A17B}" type="datetimeFigureOut">
               <a:rPr kumimoji="1" lang="ko-Kore-KR" altLang="en-US" smtClean="0"/>
-              <a:t>2021. 5. 27.</a:t>
+              <a:t>2021. 10. 20.</a:t>
             </a:fld>
             <a:endParaRPr kumimoji="1" lang="ko-Kore-KR" altLang="en-US"/>
           </a:p>
@@ -1648,7 +1650,7 @@
           <a:p>
             <a:fld id="{EDF3C78C-9ED5-6F4E-A22C-D64E7DC4A17B}" type="datetimeFigureOut">
               <a:rPr kumimoji="1" lang="ko-Kore-KR" altLang="en-US" smtClean="0"/>
-              <a:t>2021. 5. 27.</a:t>
+              <a:t>2021. 10. 20.</a:t>
             </a:fld>
             <a:endParaRPr kumimoji="1" lang="ko-Kore-KR" altLang="en-US"/>
           </a:p>
@@ -1916,7 +1918,7 @@
           <a:p>
             <a:fld id="{EDF3C78C-9ED5-6F4E-A22C-D64E7DC4A17B}" type="datetimeFigureOut">
               <a:rPr kumimoji="1" lang="ko-Kore-KR" altLang="en-US" smtClean="0"/>
-              <a:t>2021. 5. 27.</a:t>
+              <a:t>2021. 10. 20.</a:t>
             </a:fld>
             <a:endParaRPr kumimoji="1" lang="ko-Kore-KR" altLang="en-US"/>
           </a:p>
@@ -2331,7 +2333,7 @@
           <a:p>
             <a:fld id="{EDF3C78C-9ED5-6F4E-A22C-D64E7DC4A17B}" type="datetimeFigureOut">
               <a:rPr kumimoji="1" lang="ko-Kore-KR" altLang="en-US" smtClean="0"/>
-              <a:t>2021. 5. 27.</a:t>
+              <a:t>2021. 10. 20.</a:t>
             </a:fld>
             <a:endParaRPr kumimoji="1" lang="ko-Kore-KR" altLang="en-US"/>
           </a:p>
@@ -2473,7 +2475,7 @@
           <a:p>
             <a:fld id="{EDF3C78C-9ED5-6F4E-A22C-D64E7DC4A17B}" type="datetimeFigureOut">
               <a:rPr kumimoji="1" lang="ko-Kore-KR" altLang="en-US" smtClean="0"/>
-              <a:t>2021. 5. 27.</a:t>
+              <a:t>2021. 10. 20.</a:t>
             </a:fld>
             <a:endParaRPr kumimoji="1" lang="ko-Kore-KR" altLang="en-US"/>
           </a:p>
@@ -2586,7 +2588,7 @@
           <a:p>
             <a:fld id="{EDF3C78C-9ED5-6F4E-A22C-D64E7DC4A17B}" type="datetimeFigureOut">
               <a:rPr kumimoji="1" lang="ko-Kore-KR" altLang="en-US" smtClean="0"/>
-              <a:t>2021. 5. 27.</a:t>
+              <a:t>2021. 10. 20.</a:t>
             </a:fld>
             <a:endParaRPr kumimoji="1" lang="ko-Kore-KR" altLang="en-US"/>
           </a:p>
@@ -2899,7 +2901,7 @@
           <a:p>
             <a:fld id="{EDF3C78C-9ED5-6F4E-A22C-D64E7DC4A17B}" type="datetimeFigureOut">
               <a:rPr kumimoji="1" lang="ko-Kore-KR" altLang="en-US" smtClean="0"/>
-              <a:t>2021. 5. 27.</a:t>
+              <a:t>2021. 10. 20.</a:t>
             </a:fld>
             <a:endParaRPr kumimoji="1" lang="ko-Kore-KR" altLang="en-US"/>
           </a:p>
@@ -3188,7 +3190,7 @@
           <a:p>
             <a:fld id="{EDF3C78C-9ED5-6F4E-A22C-D64E7DC4A17B}" type="datetimeFigureOut">
               <a:rPr kumimoji="1" lang="ko-Kore-KR" altLang="en-US" smtClean="0"/>
-              <a:t>2021. 5. 27.</a:t>
+              <a:t>2021. 10. 20.</a:t>
             </a:fld>
             <a:endParaRPr kumimoji="1" lang="ko-Kore-KR" altLang="en-US"/>
           </a:p>
@@ -3431,7 +3433,7 @@
           <a:p>
             <a:fld id="{EDF3C78C-9ED5-6F4E-A22C-D64E7DC4A17B}" type="datetimeFigureOut">
               <a:rPr kumimoji="1" lang="ko-Kore-KR" altLang="en-US" smtClean="0"/>
-              <a:t>2021. 5. 27.</a:t>
+              <a:t>2021. 10. 20.</a:t>
             </a:fld>
             <a:endParaRPr kumimoji="1" lang="ko-Kore-KR" altLang="en-US"/>
           </a:p>
@@ -4059,6 +4061,269 @@
       </p:grpSpPr>
       <p:sp>
         <p:nvSpPr>
+          <p:cNvPr id="4" name="제목 1">
+            <a:extLst>
+              <a:ext uri="{FF2B5EF4-FFF2-40B4-BE49-F238E27FC236}">
+                <a16:creationId xmlns:a16="http://schemas.microsoft.com/office/drawing/2014/main" id="{BDC2D281-53F6-0D46-A240-027C7FD07B85}"/>
+              </a:ext>
+            </a:extLst>
+          </p:cNvPr>
+          <p:cNvSpPr>
+            <a:spLocks noGrp="1"/>
+          </p:cNvSpPr>
+          <p:nvPr>
+            <p:ph type="title"/>
+          </p:nvPr>
+        </p:nvSpPr>
+        <p:spPr>
+          <a:xfrm>
+            <a:off x="838200" y="365125"/>
+            <a:ext cx="10515600" cy="1325563"/>
+          </a:xfrm>
+        </p:spPr>
+        <p:txBody>
+          <a:bodyPr>
+            <a:normAutofit/>
+          </a:bodyPr>
+          <a:lstStyle/>
+          <a:p>
+            <a:r>
+              <a:rPr lang="ko-KR" altLang="en-US" sz="4000" b="1" dirty="0"/>
+              <a:t>순환 신경망</a:t>
+            </a:r>
+            <a:r>
+              <a:rPr lang="en-US" altLang="ko-KR" sz="4000" b="1" dirty="0"/>
+              <a:t>(</a:t>
+            </a:r>
+            <a:r>
+              <a:rPr lang="en-US" altLang="ko-Kore-KR" sz="4000" b="1" dirty="0"/>
+              <a:t>Recurrent Neural Network, RNN)</a:t>
+            </a:r>
+          </a:p>
+        </p:txBody>
+      </p:sp>
+      <p:pic>
+        <p:nvPicPr>
+          <p:cNvPr id="1026" name="Picture 2">
+            <a:extLst>
+              <a:ext uri="{FF2B5EF4-FFF2-40B4-BE49-F238E27FC236}">
+                <a16:creationId xmlns:a16="http://schemas.microsoft.com/office/drawing/2014/main" id="{A008F0E2-DC57-374C-86F0-E126985980C3}"/>
+              </a:ext>
+            </a:extLst>
+          </p:cNvPr>
+          <p:cNvPicPr>
+            <a:picLocks noChangeAspect="1" noChangeArrowheads="1"/>
+          </p:cNvPicPr>
+          <p:nvPr/>
+        </p:nvPicPr>
+        <p:blipFill>
+          <a:blip r:embed="rId2">
+            <a:extLst>
+              <a:ext uri="{28A0092B-C50C-407E-A947-70E740481C1C}">
+                <a14:useLocalDpi xmlns:a14="http://schemas.microsoft.com/office/drawing/2010/main" val="0"/>
+              </a:ext>
+            </a:extLst>
+          </a:blip>
+          <a:srcRect/>
+          <a:stretch>
+            <a:fillRect/>
+          </a:stretch>
+        </p:blipFill>
+        <p:spPr bwMode="auto">
+          <a:xfrm>
+            <a:off x="1298448" y="2027469"/>
+            <a:ext cx="8186928" cy="4267223"/>
+          </a:xfrm>
+          <a:prstGeom prst="rect">
+            <a:avLst/>
+          </a:prstGeom>
+          <a:noFill/>
+          <a:extLst>
+            <a:ext uri="{909E8E84-426E-40DD-AFC4-6F175D3DCCD1}">
+              <a14:hiddenFill xmlns:a14="http://schemas.microsoft.com/office/drawing/2010/main">
+                <a:solidFill>
+                  <a:srgbClr val="FFFFFF"/>
+                </a:solidFill>
+              </a14:hiddenFill>
+            </a:ext>
+          </a:extLst>
+        </p:spPr>
+      </p:pic>
+    </p:spTree>
+    <p:extLst>
+      <p:ext uri="{BB962C8B-B14F-4D97-AF65-F5344CB8AC3E}">
+        <p14:creationId xmlns:p14="http://schemas.microsoft.com/office/powerpoint/2010/main" val="2015888419"/>
+      </p:ext>
+    </p:extLst>
+  </p:cSld>
+  <p:clrMapOvr>
+    <a:masterClrMapping/>
+  </p:clrMapOvr>
+</p:sld>
+</file>
+
+<file path=ppt/slides/slide12.xml><?xml version="1.0" encoding="utf-8"?>
+<p:sld xmlns:a="http://schemas.openxmlformats.org/drawingml/2006/main" xmlns:r="http://schemas.openxmlformats.org/officeDocument/2006/relationships" xmlns:p="http://schemas.openxmlformats.org/presentationml/2006/main">
+  <p:cSld>
+    <p:spTree>
+      <p:nvGrpSpPr>
+        <p:cNvPr id="1" name=""/>
+        <p:cNvGrpSpPr/>
+        <p:nvPr/>
+      </p:nvGrpSpPr>
+      <p:grpSpPr>
+        <a:xfrm>
+          <a:off x="0" y="0"/>
+          <a:ext cx="0" cy="0"/>
+          <a:chOff x="0" y="0"/>
+          <a:chExt cx="0" cy="0"/>
+        </a:xfrm>
+      </p:grpSpPr>
+      <p:sp>
+        <p:nvSpPr>
+          <p:cNvPr id="4" name="제목 1">
+            <a:extLst>
+              <a:ext uri="{FF2B5EF4-FFF2-40B4-BE49-F238E27FC236}">
+                <a16:creationId xmlns:a16="http://schemas.microsoft.com/office/drawing/2014/main" id="{DCEE89EE-969E-8643-951A-A65BC5F0FF1D}"/>
+              </a:ext>
+            </a:extLst>
+          </p:cNvPr>
+          <p:cNvSpPr txBox="1">
+            <a:spLocks/>
+          </p:cNvSpPr>
+          <p:nvPr/>
+        </p:nvSpPr>
+        <p:spPr>
+          <a:xfrm>
+            <a:off x="495300" y="517525"/>
+            <a:ext cx="11201400" cy="1325563"/>
+          </a:xfrm>
+          <a:prstGeom prst="rect">
+            <a:avLst/>
+          </a:prstGeom>
+        </p:spPr>
+        <p:txBody>
+          <a:bodyPr vert="horz" lIns="91440" tIns="45720" rIns="91440" bIns="45720" rtlCol="0" anchor="ctr">
+            <a:normAutofit/>
+          </a:bodyPr>
+          <a:lstStyle>
+            <a:lvl1pPr algn="l" defTabSz="914400" rtl="0" eaLnBrk="1" latinLnBrk="0" hangingPunct="1">
+              <a:lnSpc>
+                <a:spcPct val="90000"/>
+              </a:lnSpc>
+              <a:spcBef>
+                <a:spcPct val="0"/>
+              </a:spcBef>
+              <a:buNone/>
+              <a:defRPr sz="4400" kern="1200">
+                <a:solidFill>
+                  <a:schemeClr val="tx1"/>
+                </a:solidFill>
+                <a:latin typeface="+mj-lt"/>
+                <a:ea typeface="+mj-ea"/>
+                <a:cs typeface="+mj-cs"/>
+              </a:defRPr>
+            </a:lvl1pPr>
+          </a:lstStyle>
+          <a:p>
+            <a:r>
+              <a:rPr lang="ko-KR" altLang="en-US" sz="4000" b="1" dirty="0" err="1"/>
+              <a:t>합성곱</a:t>
+            </a:r>
+            <a:r>
+              <a:rPr lang="ko-KR" altLang="en-US" sz="4000" b="1" dirty="0"/>
+              <a:t> 신경망</a:t>
+            </a:r>
+            <a:r>
+              <a:rPr lang="en-US" altLang="ko-KR" sz="4000" b="1" dirty="0"/>
+              <a:t>(Convolutional Neural Network</a:t>
+            </a:r>
+            <a:r>
+              <a:rPr lang="en-US" altLang="ko-Kore-KR" sz="4000" b="1" dirty="0"/>
+              <a:t>, CNN)</a:t>
+            </a:r>
+          </a:p>
+        </p:txBody>
+      </p:sp>
+      <p:pic>
+        <p:nvPicPr>
+          <p:cNvPr id="2050" name="Picture 2" descr="enter image description here">
+            <a:extLst>
+              <a:ext uri="{FF2B5EF4-FFF2-40B4-BE49-F238E27FC236}">
+                <a16:creationId xmlns:a16="http://schemas.microsoft.com/office/drawing/2014/main" id="{A17A3BE3-1320-DE4C-A42F-CE863D6AE156}"/>
+              </a:ext>
+            </a:extLst>
+          </p:cNvPr>
+          <p:cNvPicPr>
+            <a:picLocks noChangeAspect="1" noChangeArrowheads="1"/>
+          </p:cNvPicPr>
+          <p:nvPr/>
+        </p:nvPicPr>
+        <p:blipFill>
+          <a:blip r:embed="rId2">
+            <a:extLst>
+              <a:ext uri="{28A0092B-C50C-407E-A947-70E740481C1C}">
+                <a14:useLocalDpi xmlns:a14="http://schemas.microsoft.com/office/drawing/2010/main" val="0"/>
+              </a:ext>
+            </a:extLst>
+          </a:blip>
+          <a:srcRect/>
+          <a:stretch>
+            <a:fillRect/>
+          </a:stretch>
+        </p:blipFill>
+        <p:spPr bwMode="auto">
+          <a:xfrm>
+            <a:off x="990600" y="1843088"/>
+            <a:ext cx="8281416" cy="4076009"/>
+          </a:xfrm>
+          <a:prstGeom prst="rect">
+            <a:avLst/>
+          </a:prstGeom>
+          <a:noFill/>
+          <a:extLst>
+            <a:ext uri="{909E8E84-426E-40DD-AFC4-6F175D3DCCD1}">
+              <a14:hiddenFill xmlns:a14="http://schemas.microsoft.com/office/drawing/2010/main">
+                <a:solidFill>
+                  <a:srgbClr val="FFFFFF"/>
+                </a:solidFill>
+              </a14:hiddenFill>
+            </a:ext>
+          </a:extLst>
+        </p:spPr>
+      </p:pic>
+    </p:spTree>
+    <p:extLst>
+      <p:ext uri="{BB962C8B-B14F-4D97-AF65-F5344CB8AC3E}">
+        <p14:creationId xmlns:p14="http://schemas.microsoft.com/office/powerpoint/2010/main" val="1091883355"/>
+      </p:ext>
+    </p:extLst>
+  </p:cSld>
+  <p:clrMapOvr>
+    <a:masterClrMapping/>
+  </p:clrMapOvr>
+</p:sld>
+</file>
+
+<file path=ppt/slides/slide13.xml><?xml version="1.0" encoding="utf-8"?>
+<p:sld xmlns:a="http://schemas.openxmlformats.org/drawingml/2006/main" xmlns:r="http://schemas.openxmlformats.org/officeDocument/2006/relationships" xmlns:p="http://schemas.openxmlformats.org/presentationml/2006/main">
+  <p:cSld>
+    <p:spTree>
+      <p:nvGrpSpPr>
+        <p:cNvPr id="1" name=""/>
+        <p:cNvGrpSpPr/>
+        <p:nvPr/>
+      </p:nvGrpSpPr>
+      <p:grpSpPr>
+        <a:xfrm>
+          <a:off x="0" y="0"/>
+          <a:ext cx="0" cy="0"/>
+          <a:chOff x="0" y="0"/>
+          <a:chExt cx="0" cy="0"/>
+        </a:xfrm>
+      </p:grpSpPr>
+      <p:sp>
+        <p:nvSpPr>
           <p:cNvPr id="2" name="제목 1">
             <a:extLst>
               <a:ext uri="{FF2B5EF4-FFF2-40B4-BE49-F238E27FC236}">
@@ -4437,7 +4702,7 @@
 </p:sld>
 </file>
 
-<file path=ppt/slides/slide12.xml><?xml version="1.0" encoding="utf-8"?>
+<file path=ppt/slides/slide14.xml><?xml version="1.0" encoding="utf-8"?>
 <p:sld xmlns:a="http://schemas.openxmlformats.org/drawingml/2006/main" xmlns:r="http://schemas.openxmlformats.org/officeDocument/2006/relationships" xmlns:p="http://schemas.openxmlformats.org/presentationml/2006/main">
   <p:cSld>
     <p:spTree>
@@ -4497,7 +4762,7 @@
 </p:sld>
 </file>
 
-<file path=ppt/slides/slide13.xml><?xml version="1.0" encoding="utf-8"?>
+<file path=ppt/slides/slide15.xml><?xml version="1.0" encoding="utf-8"?>
 <p:sld xmlns:a="http://schemas.openxmlformats.org/drawingml/2006/main" xmlns:r="http://schemas.openxmlformats.org/officeDocument/2006/relationships" xmlns:p="http://schemas.openxmlformats.org/presentationml/2006/main">
   <p:cSld>
     <p:spTree>
@@ -4595,220 +4860,6 @@
     <p:extLst>
       <p:ext uri="{BB962C8B-B14F-4D97-AF65-F5344CB8AC3E}">
         <p14:creationId xmlns:p14="http://schemas.microsoft.com/office/powerpoint/2010/main" val="974446768"/>
-      </p:ext>
-    </p:extLst>
-  </p:cSld>
-  <p:clrMapOvr>
-    <a:masterClrMapping/>
-  </p:clrMapOvr>
-</p:sld>
-</file>
-
-<file path=ppt/slides/slide14.xml><?xml version="1.0" encoding="utf-8"?>
-<p:sld xmlns:a="http://schemas.openxmlformats.org/drawingml/2006/main" xmlns:r="http://schemas.openxmlformats.org/officeDocument/2006/relationships" xmlns:p="http://schemas.openxmlformats.org/presentationml/2006/main">
-  <p:cSld>
-    <p:spTree>
-      <p:nvGrpSpPr>
-        <p:cNvPr id="1" name=""/>
-        <p:cNvGrpSpPr/>
-        <p:nvPr/>
-      </p:nvGrpSpPr>
-      <p:grpSpPr>
-        <a:xfrm>
-          <a:off x="0" y="0"/>
-          <a:ext cx="0" cy="0"/>
-          <a:chOff x="0" y="0"/>
-          <a:chExt cx="0" cy="0"/>
-        </a:xfrm>
-      </p:grpSpPr>
-      <p:pic>
-        <p:nvPicPr>
-          <p:cNvPr id="2" name="그림 1">
-            <a:extLst>
-              <a:ext uri="{FF2B5EF4-FFF2-40B4-BE49-F238E27FC236}">
-                <a16:creationId xmlns:a16="http://schemas.microsoft.com/office/drawing/2014/main" id="{B55A61D6-075E-B344-8831-71C9CEC32E15}"/>
-              </a:ext>
-            </a:extLst>
-          </p:cNvPr>
-          <p:cNvPicPr>
-            <a:picLocks noChangeAspect="1"/>
-          </p:cNvPicPr>
-          <p:nvPr/>
-        </p:nvPicPr>
-        <p:blipFill>
-          <a:blip r:embed="rId2"/>
-          <a:stretch>
-            <a:fillRect/>
-          </a:stretch>
-        </p:blipFill>
-        <p:spPr>
-          <a:xfrm>
-            <a:off x="827616" y="781050"/>
-            <a:ext cx="3187700" cy="1739900"/>
-          </a:xfrm>
-          <a:prstGeom prst="rect">
-            <a:avLst/>
-          </a:prstGeom>
-        </p:spPr>
-      </p:pic>
-      <p:pic>
-        <p:nvPicPr>
-          <p:cNvPr id="8194" name="Picture 2">
-            <a:extLst>
-              <a:ext uri="{FF2B5EF4-FFF2-40B4-BE49-F238E27FC236}">
-                <a16:creationId xmlns:a16="http://schemas.microsoft.com/office/drawing/2014/main" id="{2050F7EC-B34E-9743-B30D-F9B478C782E6}"/>
-              </a:ext>
-            </a:extLst>
-          </p:cNvPr>
-          <p:cNvPicPr>
-            <a:picLocks noChangeAspect="1" noChangeArrowheads="1"/>
-          </p:cNvPicPr>
-          <p:nvPr/>
-        </p:nvPicPr>
-        <p:blipFill>
-          <a:blip r:embed="rId3">
-            <a:extLst>
-              <a:ext uri="{28A0092B-C50C-407E-A947-70E740481C1C}">
-                <a14:useLocalDpi xmlns:a14="http://schemas.microsoft.com/office/drawing/2010/main" val="0"/>
-              </a:ext>
-            </a:extLst>
-          </a:blip>
-          <a:srcRect/>
-          <a:stretch>
-            <a:fillRect/>
-          </a:stretch>
-        </p:blipFill>
-        <p:spPr bwMode="auto">
-          <a:xfrm>
-            <a:off x="4368799" y="355600"/>
-            <a:ext cx="6773333" cy="5080000"/>
-          </a:xfrm>
-          <a:prstGeom prst="rect">
-            <a:avLst/>
-          </a:prstGeom>
-          <a:noFill/>
-          <a:extLst>
-            <a:ext uri="{909E8E84-426E-40DD-AFC4-6F175D3DCCD1}">
-              <a14:hiddenFill xmlns:a14="http://schemas.microsoft.com/office/drawing/2010/main">
-                <a:solidFill>
-                  <a:srgbClr val="FFFFFF"/>
-                </a:solidFill>
-              </a14:hiddenFill>
-            </a:ext>
-          </a:extLst>
-        </p:spPr>
-      </p:pic>
-    </p:spTree>
-    <p:extLst>
-      <p:ext uri="{BB962C8B-B14F-4D97-AF65-F5344CB8AC3E}">
-        <p14:creationId xmlns:p14="http://schemas.microsoft.com/office/powerpoint/2010/main" val="2293214453"/>
-      </p:ext>
-    </p:extLst>
-  </p:cSld>
-  <p:clrMapOvr>
-    <a:masterClrMapping/>
-  </p:clrMapOvr>
-</p:sld>
-</file>
-
-<file path=ppt/slides/slide15.xml><?xml version="1.0" encoding="utf-8"?>
-<p:sld xmlns:a="http://schemas.openxmlformats.org/drawingml/2006/main" xmlns:r="http://schemas.openxmlformats.org/officeDocument/2006/relationships" xmlns:p="http://schemas.openxmlformats.org/presentationml/2006/main">
-  <p:cSld>
-    <p:spTree>
-      <p:nvGrpSpPr>
-        <p:cNvPr id="1" name=""/>
-        <p:cNvGrpSpPr/>
-        <p:nvPr/>
-      </p:nvGrpSpPr>
-      <p:grpSpPr>
-        <a:xfrm>
-          <a:off x="0" y="0"/>
-          <a:ext cx="0" cy="0"/>
-          <a:chOff x="0" y="0"/>
-          <a:chExt cx="0" cy="0"/>
-        </a:xfrm>
-      </p:grpSpPr>
-      <p:pic>
-        <p:nvPicPr>
-          <p:cNvPr id="2" name="그림 1">
-            <a:extLst>
-              <a:ext uri="{FF2B5EF4-FFF2-40B4-BE49-F238E27FC236}">
-                <a16:creationId xmlns:a16="http://schemas.microsoft.com/office/drawing/2014/main" id="{EE34AE10-30E0-7440-BBBE-F693CF98875A}"/>
-              </a:ext>
-            </a:extLst>
-          </p:cNvPr>
-          <p:cNvPicPr>
-            <a:picLocks noChangeAspect="1"/>
-          </p:cNvPicPr>
-          <p:nvPr/>
-        </p:nvPicPr>
-        <p:blipFill>
-          <a:blip r:embed="rId2"/>
-          <a:stretch>
-            <a:fillRect/>
-          </a:stretch>
-        </p:blipFill>
-        <p:spPr>
-          <a:xfrm>
-            <a:off x="558800" y="692150"/>
-            <a:ext cx="5537200" cy="2425700"/>
-          </a:xfrm>
-          <a:prstGeom prst="rect">
-            <a:avLst/>
-          </a:prstGeom>
-        </p:spPr>
-      </p:pic>
-      <p:pic>
-        <p:nvPicPr>
-          <p:cNvPr id="9218" name="Picture 2">
-            <a:extLst>
-              <a:ext uri="{FF2B5EF4-FFF2-40B4-BE49-F238E27FC236}">
-                <a16:creationId xmlns:a16="http://schemas.microsoft.com/office/drawing/2014/main" id="{9DD2EB39-41C4-344E-8614-C54001A5D2B5}"/>
-              </a:ext>
-            </a:extLst>
-          </p:cNvPr>
-          <p:cNvPicPr>
-            <a:picLocks noChangeAspect="1" noChangeArrowheads="1"/>
-          </p:cNvPicPr>
-          <p:nvPr/>
-        </p:nvPicPr>
-        <p:blipFill>
-          <a:blip r:embed="rId3">
-            <a:extLst>
-              <a:ext uri="{28A0092B-C50C-407E-A947-70E740481C1C}">
-                <a14:useLocalDpi xmlns:a14="http://schemas.microsoft.com/office/drawing/2010/main" val="0"/>
-              </a:ext>
-            </a:extLst>
-          </a:blip>
-          <a:srcRect/>
-          <a:stretch>
-            <a:fillRect/>
-          </a:stretch>
-        </p:blipFill>
-        <p:spPr bwMode="auto">
-          <a:xfrm>
-            <a:off x="6096000" y="692150"/>
-            <a:ext cx="5384800" cy="4025900"/>
-          </a:xfrm>
-          <a:prstGeom prst="rect">
-            <a:avLst/>
-          </a:prstGeom>
-          <a:noFill/>
-          <a:extLst>
-            <a:ext uri="{909E8E84-426E-40DD-AFC4-6F175D3DCCD1}">
-              <a14:hiddenFill xmlns:a14="http://schemas.microsoft.com/office/drawing/2010/main">
-                <a:solidFill>
-                  <a:srgbClr val="FFFFFF"/>
-                </a:solidFill>
-              </a14:hiddenFill>
-            </a:ext>
-          </a:extLst>
-        </p:spPr>
-      </p:pic>
-    </p:spTree>
-    <p:extLst>
-      <p:ext uri="{BB962C8B-B14F-4D97-AF65-F5344CB8AC3E}">
-        <p14:creationId xmlns:p14="http://schemas.microsoft.com/office/powerpoint/2010/main" val="2914939915"/>
       </p:ext>
     </p:extLst>
   </p:cSld>
@@ -4840,7 +4891,7 @@
           <p:cNvPr id="2" name="그림 1">
             <a:extLst>
               <a:ext uri="{FF2B5EF4-FFF2-40B4-BE49-F238E27FC236}">
-                <a16:creationId xmlns:a16="http://schemas.microsoft.com/office/drawing/2014/main" id="{55D5234E-B748-2047-BA4E-54A6E8A9A653}"/>
+                <a16:creationId xmlns:a16="http://schemas.microsoft.com/office/drawing/2014/main" id="{B55A61D6-075E-B344-8831-71C9CEC32E15}"/>
               </a:ext>
             </a:extLst>
           </p:cNvPr>
@@ -4857,8 +4908,8 @@
         </p:blipFill>
         <p:spPr>
           <a:xfrm>
-            <a:off x="546100" y="482600"/>
-            <a:ext cx="5549900" cy="3556000"/>
+            <a:off x="827616" y="781050"/>
+            <a:ext cx="3187700" cy="1739900"/>
           </a:xfrm>
           <a:prstGeom prst="rect">
             <a:avLst/>
@@ -4867,10 +4918,10 @@
       </p:pic>
       <p:pic>
         <p:nvPicPr>
-          <p:cNvPr id="10242" name="Picture 2">
-            <a:extLst>
-              <a:ext uri="{FF2B5EF4-FFF2-40B4-BE49-F238E27FC236}">
-                <a16:creationId xmlns:a16="http://schemas.microsoft.com/office/drawing/2014/main" id="{92A048CC-D1E2-CE47-A55A-048009C6198E}"/>
+          <p:cNvPr id="8194" name="Picture 2">
+            <a:extLst>
+              <a:ext uri="{FF2B5EF4-FFF2-40B4-BE49-F238E27FC236}">
+                <a16:creationId xmlns:a16="http://schemas.microsoft.com/office/drawing/2014/main" id="{2050F7EC-B34E-9743-B30D-F9B478C782E6}"/>
               </a:ext>
             </a:extLst>
           </p:cNvPr>
@@ -4894,8 +4945,8 @@
         </p:blipFill>
         <p:spPr bwMode="auto">
           <a:xfrm>
-            <a:off x="4131733" y="2073098"/>
-            <a:ext cx="7683500" cy="3307467"/>
+            <a:off x="4368799" y="355600"/>
+            <a:ext cx="6773333" cy="5080000"/>
           </a:xfrm>
           <a:prstGeom prst="rect">
             <a:avLst/>
@@ -4915,7 +4966,7 @@
     </p:spTree>
     <p:extLst>
       <p:ext uri="{BB962C8B-B14F-4D97-AF65-F5344CB8AC3E}">
-        <p14:creationId xmlns:p14="http://schemas.microsoft.com/office/powerpoint/2010/main" val="3640803584"/>
+        <p14:creationId xmlns:p14="http://schemas.microsoft.com/office/powerpoint/2010/main" val="2293214453"/>
       </p:ext>
     </p:extLst>
   </p:cSld>
@@ -4947,7 +4998,7 @@
           <p:cNvPr id="2" name="그림 1">
             <a:extLst>
               <a:ext uri="{FF2B5EF4-FFF2-40B4-BE49-F238E27FC236}">
-                <a16:creationId xmlns:a16="http://schemas.microsoft.com/office/drawing/2014/main" id="{9AA9DD97-C7CE-C74F-BBEB-2C7F9AA187AA}"/>
+                <a16:creationId xmlns:a16="http://schemas.microsoft.com/office/drawing/2014/main" id="{EE34AE10-30E0-7440-BBBE-F693CF98875A}"/>
               </a:ext>
             </a:extLst>
           </p:cNvPr>
@@ -4964,18 +5015,65 @@
         </p:blipFill>
         <p:spPr>
           <a:xfrm>
-            <a:off x="768350" y="596900"/>
-            <a:ext cx="5676900" cy="4546600"/>
+            <a:off x="558800" y="692150"/>
+            <a:ext cx="5537200" cy="2425700"/>
           </a:xfrm>
           <a:prstGeom prst="rect">
             <a:avLst/>
           </a:prstGeom>
         </p:spPr>
       </p:pic>
+      <p:pic>
+        <p:nvPicPr>
+          <p:cNvPr id="9218" name="Picture 2">
+            <a:extLst>
+              <a:ext uri="{FF2B5EF4-FFF2-40B4-BE49-F238E27FC236}">
+                <a16:creationId xmlns:a16="http://schemas.microsoft.com/office/drawing/2014/main" id="{9DD2EB39-41C4-344E-8614-C54001A5D2B5}"/>
+              </a:ext>
+            </a:extLst>
+          </p:cNvPr>
+          <p:cNvPicPr>
+            <a:picLocks noChangeAspect="1" noChangeArrowheads="1"/>
+          </p:cNvPicPr>
+          <p:nvPr/>
+        </p:nvPicPr>
+        <p:blipFill>
+          <a:blip r:embed="rId3">
+            <a:extLst>
+              <a:ext uri="{28A0092B-C50C-407E-A947-70E740481C1C}">
+                <a14:useLocalDpi xmlns:a14="http://schemas.microsoft.com/office/drawing/2010/main" val="0"/>
+              </a:ext>
+            </a:extLst>
+          </a:blip>
+          <a:srcRect/>
+          <a:stretch>
+            <a:fillRect/>
+          </a:stretch>
+        </p:blipFill>
+        <p:spPr bwMode="auto">
+          <a:xfrm>
+            <a:off x="6096000" y="692150"/>
+            <a:ext cx="5384800" cy="4025900"/>
+          </a:xfrm>
+          <a:prstGeom prst="rect">
+            <a:avLst/>
+          </a:prstGeom>
+          <a:noFill/>
+          <a:extLst>
+            <a:ext uri="{909E8E84-426E-40DD-AFC4-6F175D3DCCD1}">
+              <a14:hiddenFill xmlns:a14="http://schemas.microsoft.com/office/drawing/2010/main">
+                <a:solidFill>
+                  <a:srgbClr val="FFFFFF"/>
+                </a:solidFill>
+              </a14:hiddenFill>
+            </a:ext>
+          </a:extLst>
+        </p:spPr>
+      </p:pic>
     </p:spTree>
     <p:extLst>
       <p:ext uri="{BB962C8B-B14F-4D97-AF65-F5344CB8AC3E}">
-        <p14:creationId xmlns:p14="http://schemas.microsoft.com/office/powerpoint/2010/main" val="655721421"/>
+        <p14:creationId xmlns:p14="http://schemas.microsoft.com/office/powerpoint/2010/main" val="2914939915"/>
       </p:ext>
     </p:extLst>
   </p:cSld>
@@ -5007,7 +5105,7 @@
           <p:cNvPr id="2" name="그림 1">
             <a:extLst>
               <a:ext uri="{FF2B5EF4-FFF2-40B4-BE49-F238E27FC236}">
-                <a16:creationId xmlns:a16="http://schemas.microsoft.com/office/drawing/2014/main" id="{6FFC94E2-070B-7F42-871D-E63B2AB0C579}"/>
+                <a16:creationId xmlns:a16="http://schemas.microsoft.com/office/drawing/2014/main" id="{55D5234E-B748-2047-BA4E-54A6E8A9A653}"/>
               </a:ext>
             </a:extLst>
           </p:cNvPr>
@@ -5024,18 +5122,65 @@
         </p:blipFill>
         <p:spPr>
           <a:xfrm>
-            <a:off x="1032934" y="736600"/>
-            <a:ext cx="9690100" cy="3149600"/>
+            <a:off x="546100" y="482600"/>
+            <a:ext cx="5549900" cy="3556000"/>
           </a:xfrm>
           <a:prstGeom prst="rect">
             <a:avLst/>
           </a:prstGeom>
         </p:spPr>
       </p:pic>
+      <p:pic>
+        <p:nvPicPr>
+          <p:cNvPr id="10242" name="Picture 2">
+            <a:extLst>
+              <a:ext uri="{FF2B5EF4-FFF2-40B4-BE49-F238E27FC236}">
+                <a16:creationId xmlns:a16="http://schemas.microsoft.com/office/drawing/2014/main" id="{92A048CC-D1E2-CE47-A55A-048009C6198E}"/>
+              </a:ext>
+            </a:extLst>
+          </p:cNvPr>
+          <p:cNvPicPr>
+            <a:picLocks noChangeAspect="1" noChangeArrowheads="1"/>
+          </p:cNvPicPr>
+          <p:nvPr/>
+        </p:nvPicPr>
+        <p:blipFill>
+          <a:blip r:embed="rId3">
+            <a:extLst>
+              <a:ext uri="{28A0092B-C50C-407E-A947-70E740481C1C}">
+                <a14:useLocalDpi xmlns:a14="http://schemas.microsoft.com/office/drawing/2010/main" val="0"/>
+              </a:ext>
+            </a:extLst>
+          </a:blip>
+          <a:srcRect/>
+          <a:stretch>
+            <a:fillRect/>
+          </a:stretch>
+        </p:blipFill>
+        <p:spPr bwMode="auto">
+          <a:xfrm>
+            <a:off x="4131733" y="2073098"/>
+            <a:ext cx="7683500" cy="3307467"/>
+          </a:xfrm>
+          <a:prstGeom prst="rect">
+            <a:avLst/>
+          </a:prstGeom>
+          <a:noFill/>
+          <a:extLst>
+            <a:ext uri="{909E8E84-426E-40DD-AFC4-6F175D3DCCD1}">
+              <a14:hiddenFill xmlns:a14="http://schemas.microsoft.com/office/drawing/2010/main">
+                <a:solidFill>
+                  <a:srgbClr val="FFFFFF"/>
+                </a:solidFill>
+              </a14:hiddenFill>
+            </a:ext>
+          </a:extLst>
+        </p:spPr>
+      </p:pic>
     </p:spTree>
     <p:extLst>
       <p:ext uri="{BB962C8B-B14F-4D97-AF65-F5344CB8AC3E}">
-        <p14:creationId xmlns:p14="http://schemas.microsoft.com/office/powerpoint/2010/main" val="283344587"/>
+        <p14:creationId xmlns:p14="http://schemas.microsoft.com/office/powerpoint/2010/main" val="3640803584"/>
       </p:ext>
     </p:extLst>
   </p:cSld>
@@ -5067,7 +5212,7 @@
           <p:cNvPr id="2" name="그림 1">
             <a:extLst>
               <a:ext uri="{FF2B5EF4-FFF2-40B4-BE49-F238E27FC236}">
-                <a16:creationId xmlns:a16="http://schemas.microsoft.com/office/drawing/2014/main" id="{248CDE9B-EC35-8D49-96E3-C732878CF624}"/>
+                <a16:creationId xmlns:a16="http://schemas.microsoft.com/office/drawing/2014/main" id="{9AA9DD97-C7CE-C74F-BBEB-2C7F9AA187AA}"/>
               </a:ext>
             </a:extLst>
           </p:cNvPr>
@@ -5084,65 +5229,18 @@
         </p:blipFill>
         <p:spPr>
           <a:xfrm>
-            <a:off x="448734" y="586316"/>
-            <a:ext cx="5130800" cy="1993900"/>
+            <a:off x="768350" y="596900"/>
+            <a:ext cx="5676900" cy="4546600"/>
           </a:xfrm>
           <a:prstGeom prst="rect">
             <a:avLst/>
           </a:prstGeom>
         </p:spPr>
       </p:pic>
-      <p:pic>
-        <p:nvPicPr>
-          <p:cNvPr id="13314" name="Picture 2">
-            <a:extLst>
-              <a:ext uri="{FF2B5EF4-FFF2-40B4-BE49-F238E27FC236}">
-                <a16:creationId xmlns:a16="http://schemas.microsoft.com/office/drawing/2014/main" id="{A0129641-1567-7243-820D-DFAFBDEE3E1E}"/>
-              </a:ext>
-            </a:extLst>
-          </p:cNvPr>
-          <p:cNvPicPr>
-            <a:picLocks noChangeAspect="1" noChangeArrowheads="1"/>
-          </p:cNvPicPr>
-          <p:nvPr/>
-        </p:nvPicPr>
-        <p:blipFill>
-          <a:blip r:embed="rId3">
-            <a:extLst>
-              <a:ext uri="{28A0092B-C50C-407E-A947-70E740481C1C}">
-                <a14:useLocalDpi xmlns:a14="http://schemas.microsoft.com/office/drawing/2010/main" val="0"/>
-              </a:ext>
-            </a:extLst>
-          </a:blip>
-          <a:srcRect/>
-          <a:stretch>
-            <a:fillRect/>
-          </a:stretch>
-        </p:blipFill>
-        <p:spPr bwMode="auto">
-          <a:xfrm>
-            <a:off x="4605867" y="586316"/>
-            <a:ext cx="6959600" cy="3811468"/>
-          </a:xfrm>
-          <a:prstGeom prst="rect">
-            <a:avLst/>
-          </a:prstGeom>
-          <a:noFill/>
-          <a:extLst>
-            <a:ext uri="{909E8E84-426E-40DD-AFC4-6F175D3DCCD1}">
-              <a14:hiddenFill xmlns:a14="http://schemas.microsoft.com/office/drawing/2010/main">
-                <a:solidFill>
-                  <a:srgbClr val="FFFFFF"/>
-                </a:solidFill>
-              </a14:hiddenFill>
-            </a:ext>
-          </a:extLst>
-        </p:spPr>
-      </p:pic>
     </p:spTree>
     <p:extLst>
       <p:ext uri="{BB962C8B-B14F-4D97-AF65-F5344CB8AC3E}">
-        <p14:creationId xmlns:p14="http://schemas.microsoft.com/office/powerpoint/2010/main" val="3170522372"/>
+        <p14:creationId xmlns:p14="http://schemas.microsoft.com/office/powerpoint/2010/main" val="655721421"/>
       </p:ext>
     </p:extLst>
   </p:cSld>
@@ -5263,6 +5361,173 @@
           <p:cNvPr id="2" name="그림 1">
             <a:extLst>
               <a:ext uri="{FF2B5EF4-FFF2-40B4-BE49-F238E27FC236}">
+                <a16:creationId xmlns:a16="http://schemas.microsoft.com/office/drawing/2014/main" id="{6FFC94E2-070B-7F42-871D-E63B2AB0C579}"/>
+              </a:ext>
+            </a:extLst>
+          </p:cNvPr>
+          <p:cNvPicPr>
+            <a:picLocks noChangeAspect="1"/>
+          </p:cNvPicPr>
+          <p:nvPr/>
+        </p:nvPicPr>
+        <p:blipFill>
+          <a:blip r:embed="rId2"/>
+          <a:stretch>
+            <a:fillRect/>
+          </a:stretch>
+        </p:blipFill>
+        <p:spPr>
+          <a:xfrm>
+            <a:off x="1032934" y="736600"/>
+            <a:ext cx="9690100" cy="3149600"/>
+          </a:xfrm>
+          <a:prstGeom prst="rect">
+            <a:avLst/>
+          </a:prstGeom>
+        </p:spPr>
+      </p:pic>
+    </p:spTree>
+    <p:extLst>
+      <p:ext uri="{BB962C8B-B14F-4D97-AF65-F5344CB8AC3E}">
+        <p14:creationId xmlns:p14="http://schemas.microsoft.com/office/powerpoint/2010/main" val="283344587"/>
+      </p:ext>
+    </p:extLst>
+  </p:cSld>
+  <p:clrMapOvr>
+    <a:masterClrMapping/>
+  </p:clrMapOvr>
+</p:sld>
+</file>
+
+<file path=ppt/slides/slide21.xml><?xml version="1.0" encoding="utf-8"?>
+<p:sld xmlns:a="http://schemas.openxmlformats.org/drawingml/2006/main" xmlns:r="http://schemas.openxmlformats.org/officeDocument/2006/relationships" xmlns:p="http://schemas.openxmlformats.org/presentationml/2006/main">
+  <p:cSld>
+    <p:spTree>
+      <p:nvGrpSpPr>
+        <p:cNvPr id="1" name=""/>
+        <p:cNvGrpSpPr/>
+        <p:nvPr/>
+      </p:nvGrpSpPr>
+      <p:grpSpPr>
+        <a:xfrm>
+          <a:off x="0" y="0"/>
+          <a:ext cx="0" cy="0"/>
+          <a:chOff x="0" y="0"/>
+          <a:chExt cx="0" cy="0"/>
+        </a:xfrm>
+      </p:grpSpPr>
+      <p:pic>
+        <p:nvPicPr>
+          <p:cNvPr id="2" name="그림 1">
+            <a:extLst>
+              <a:ext uri="{FF2B5EF4-FFF2-40B4-BE49-F238E27FC236}">
+                <a16:creationId xmlns:a16="http://schemas.microsoft.com/office/drawing/2014/main" id="{248CDE9B-EC35-8D49-96E3-C732878CF624}"/>
+              </a:ext>
+            </a:extLst>
+          </p:cNvPr>
+          <p:cNvPicPr>
+            <a:picLocks noChangeAspect="1"/>
+          </p:cNvPicPr>
+          <p:nvPr/>
+        </p:nvPicPr>
+        <p:blipFill>
+          <a:blip r:embed="rId2"/>
+          <a:stretch>
+            <a:fillRect/>
+          </a:stretch>
+        </p:blipFill>
+        <p:spPr>
+          <a:xfrm>
+            <a:off x="448734" y="586316"/>
+            <a:ext cx="5130800" cy="1993900"/>
+          </a:xfrm>
+          <a:prstGeom prst="rect">
+            <a:avLst/>
+          </a:prstGeom>
+        </p:spPr>
+      </p:pic>
+      <p:pic>
+        <p:nvPicPr>
+          <p:cNvPr id="13314" name="Picture 2">
+            <a:extLst>
+              <a:ext uri="{FF2B5EF4-FFF2-40B4-BE49-F238E27FC236}">
+                <a16:creationId xmlns:a16="http://schemas.microsoft.com/office/drawing/2014/main" id="{A0129641-1567-7243-820D-DFAFBDEE3E1E}"/>
+              </a:ext>
+            </a:extLst>
+          </p:cNvPr>
+          <p:cNvPicPr>
+            <a:picLocks noChangeAspect="1" noChangeArrowheads="1"/>
+          </p:cNvPicPr>
+          <p:nvPr/>
+        </p:nvPicPr>
+        <p:blipFill>
+          <a:blip r:embed="rId3">
+            <a:extLst>
+              <a:ext uri="{28A0092B-C50C-407E-A947-70E740481C1C}">
+                <a14:useLocalDpi xmlns:a14="http://schemas.microsoft.com/office/drawing/2010/main" val="0"/>
+              </a:ext>
+            </a:extLst>
+          </a:blip>
+          <a:srcRect/>
+          <a:stretch>
+            <a:fillRect/>
+          </a:stretch>
+        </p:blipFill>
+        <p:spPr bwMode="auto">
+          <a:xfrm>
+            <a:off x="4605867" y="586316"/>
+            <a:ext cx="6959600" cy="3811468"/>
+          </a:xfrm>
+          <a:prstGeom prst="rect">
+            <a:avLst/>
+          </a:prstGeom>
+          <a:noFill/>
+          <a:extLst>
+            <a:ext uri="{909E8E84-426E-40DD-AFC4-6F175D3DCCD1}">
+              <a14:hiddenFill xmlns:a14="http://schemas.microsoft.com/office/drawing/2010/main">
+                <a:solidFill>
+                  <a:srgbClr val="FFFFFF"/>
+                </a:solidFill>
+              </a14:hiddenFill>
+            </a:ext>
+          </a:extLst>
+        </p:spPr>
+      </p:pic>
+    </p:spTree>
+    <p:extLst>
+      <p:ext uri="{BB962C8B-B14F-4D97-AF65-F5344CB8AC3E}">
+        <p14:creationId xmlns:p14="http://schemas.microsoft.com/office/powerpoint/2010/main" val="3170522372"/>
+      </p:ext>
+    </p:extLst>
+  </p:cSld>
+  <p:clrMapOvr>
+    <a:masterClrMapping/>
+  </p:clrMapOvr>
+</p:sld>
+</file>
+
+<file path=ppt/slides/slide22.xml><?xml version="1.0" encoding="utf-8"?>
+<p:sld xmlns:a="http://schemas.openxmlformats.org/drawingml/2006/main" xmlns:r="http://schemas.openxmlformats.org/officeDocument/2006/relationships" xmlns:p="http://schemas.openxmlformats.org/presentationml/2006/main">
+  <p:cSld>
+    <p:spTree>
+      <p:nvGrpSpPr>
+        <p:cNvPr id="1" name=""/>
+        <p:cNvGrpSpPr/>
+        <p:nvPr/>
+      </p:nvGrpSpPr>
+      <p:grpSpPr>
+        <a:xfrm>
+          <a:off x="0" y="0"/>
+          <a:ext cx="0" cy="0"/>
+          <a:chOff x="0" y="0"/>
+          <a:chExt cx="0" cy="0"/>
+        </a:xfrm>
+      </p:grpSpPr>
+      <p:pic>
+        <p:nvPicPr>
+          <p:cNvPr id="2" name="그림 1">
+            <a:extLst>
+              <a:ext uri="{FF2B5EF4-FFF2-40B4-BE49-F238E27FC236}">
                 <a16:creationId xmlns:a16="http://schemas.microsoft.com/office/drawing/2014/main" id="{991E183A-50DC-8840-9F71-F90C92A11202}"/>
               </a:ext>
             </a:extLst>
@@ -5348,7 +5613,7 @@
 </p:sld>
 </file>
 
-<file path=ppt/slides/slide21.xml><?xml version="1.0" encoding="utf-8"?>
+<file path=ppt/slides/slide23.xml><?xml version="1.0" encoding="utf-8"?>
 <p:sld xmlns:a="http://schemas.openxmlformats.org/drawingml/2006/main" xmlns:r="http://schemas.openxmlformats.org/officeDocument/2006/relationships" xmlns:p="http://schemas.openxmlformats.org/presentationml/2006/main">
   <p:cSld>
     <p:spTree>
